--- a/PPT/preprocessor_directive.pptx
+++ b/PPT/preprocessor_directive.pptx
@@ -5,7 +5,7 @@
     <p:sldMasterId id="2147483660" r:id="rId1"/>
   </p:sldMasterIdLst>
   <p:notesMasterIdLst>
-    <p:notesMasterId r:id="rId9"/>
+    <p:notesMasterId r:id="rId11"/>
   </p:notesMasterIdLst>
   <p:sldIdLst>
     <p:sldId id="256" r:id="rId2"/>
@@ -15,6 +15,8 @@
     <p:sldId id="260" r:id="rId6"/>
     <p:sldId id="261" r:id="rId7"/>
     <p:sldId id="262" r:id="rId8"/>
+    <p:sldId id="263" r:id="rId9"/>
+    <p:sldId id="264" r:id="rId10"/>
   </p:sldIdLst>
   <p:sldSz cx="9144000" cy="6858000" type="screen4x3"/>
   <p:notesSz cx="6858000" cy="9144000"/>
@@ -4546,6 +4548,295 @@
     <p:extLst>
       <p:ext uri="{BB962C8B-B14F-4D97-AF65-F5344CB8AC3E}">
         <p14:creationId xmlns:p14="http://schemas.microsoft.com/office/powerpoint/2010/main" val="1648614947"/>
+      </p:ext>
+    </p:extLst>
+  </p:cSld>
+  <p:clrMapOvr>
+    <a:masterClrMapping/>
+  </p:clrMapOvr>
+</p:sld>
+</file>
+
+<file path=ppt/slides/slide8.xml><?xml version="1.0" encoding="utf-8"?>
+<p:sld xmlns:a="http://schemas.openxmlformats.org/drawingml/2006/main" xmlns:r="http://schemas.openxmlformats.org/officeDocument/2006/relationships" xmlns:p="http://schemas.openxmlformats.org/presentationml/2006/main">
+  <p:cSld>
+    <p:spTree>
+      <p:nvGrpSpPr>
+        <p:cNvPr id="1" name=""/>
+        <p:cNvGrpSpPr/>
+        <p:nvPr/>
+      </p:nvGrpSpPr>
+      <p:grpSpPr>
+        <a:xfrm>
+          <a:off x="0" y="0"/>
+          <a:ext cx="0" cy="0"/>
+          <a:chOff x="0" y="0"/>
+          <a:chExt cx="0" cy="0"/>
+        </a:xfrm>
+      </p:grpSpPr>
+      <p:sp>
+        <p:nvSpPr>
+          <p:cNvPr id="2" name="Title 1"/>
+          <p:cNvSpPr>
+            <a:spLocks noGrp="1"/>
+          </p:cNvSpPr>
+          <p:nvPr>
+            <p:ph type="title"/>
+          </p:nvPr>
+        </p:nvSpPr>
+        <p:spPr/>
+        <p:txBody>
+          <a:bodyPr/>
+          <a:lstStyle/>
+          <a:p>
+            <a:r>
+              <a:rPr lang="en-US" dirty="0" smtClean="0"/>
+              <a:t>Header guard</a:t>
+            </a:r>
+            <a:endParaRPr lang="en-US" dirty="0"/>
+          </a:p>
+        </p:txBody>
+      </p:sp>
+      <p:sp>
+        <p:nvSpPr>
+          <p:cNvPr id="3" name="Content Placeholder 2"/>
+          <p:cNvSpPr>
+            <a:spLocks noGrp="1"/>
+          </p:cNvSpPr>
+          <p:nvPr>
+            <p:ph idx="1"/>
+          </p:nvPr>
+        </p:nvSpPr>
+        <p:spPr/>
+        <p:txBody>
+          <a:bodyPr>
+            <a:normAutofit lnSpcReduction="10000"/>
+          </a:bodyPr>
+          <a:lstStyle/>
+          <a:p>
+            <a:r>
+              <a:rPr lang="en-US" dirty="0" smtClean="0"/>
+              <a:t>#</a:t>
+            </a:r>
+            <a:r>
+              <a:rPr lang="en-US" dirty="0" err="1" smtClean="0"/>
+              <a:t>ifndef</a:t>
+            </a:r>
+            <a:r>
+              <a:rPr lang="en-US" dirty="0" smtClean="0"/>
+              <a:t> </a:t>
+            </a:r>
+            <a:r>
+              <a:rPr lang="en-US" dirty="0" err="1" smtClean="0"/>
+              <a:t>file_name</a:t>
+            </a:r>
+            <a:endParaRPr lang="en-US" dirty="0" smtClean="0"/>
+          </a:p>
+          <a:p>
+            <a:r>
+              <a:rPr lang="en-US" dirty="0" smtClean="0"/>
+              <a:t>#define </a:t>
+            </a:r>
+            <a:r>
+              <a:rPr lang="en-US" dirty="0" err="1" smtClean="0"/>
+              <a:t>file_name</a:t>
+            </a:r>
+            <a:endParaRPr lang="en-US" dirty="0" smtClean="0"/>
+          </a:p>
+          <a:p>
+            <a:r>
+              <a:rPr lang="en-US" dirty="0" smtClean="0"/>
+              <a:t>#</a:t>
+            </a:r>
+            <a:r>
+              <a:rPr lang="en-US" dirty="0" err="1" smtClean="0"/>
+              <a:t>endif</a:t>
+            </a:r>
+            <a:endParaRPr lang="en-US" dirty="0" smtClean="0"/>
+          </a:p>
+          <a:p>
+            <a:endParaRPr lang="en-US" dirty="0"/>
+          </a:p>
+          <a:p>
+            <a:pPr marL="137160" indent="0">
+              <a:buNone/>
+            </a:pPr>
+            <a:r>
+              <a:rPr lang="en-US" dirty="0" smtClean="0"/>
+              <a:t>(Or)</a:t>
+            </a:r>
+          </a:p>
+          <a:p>
+            <a:endParaRPr lang="en-US" dirty="0"/>
+          </a:p>
+          <a:p>
+            <a:r>
+              <a:rPr lang="en-US" dirty="0" smtClean="0"/>
+              <a:t>#pragma once </a:t>
+            </a:r>
+            <a:r>
+              <a:rPr lang="en-US" dirty="0" err="1" smtClean="0"/>
+              <a:t>file_name</a:t>
+            </a:r>
+            <a:endParaRPr lang="en-US" dirty="0" smtClean="0"/>
+          </a:p>
+          <a:p>
+            <a:endParaRPr lang="en-US" dirty="0"/>
+          </a:p>
+          <a:p>
+            <a:r>
+              <a:rPr lang="en-US" dirty="0" smtClean="0"/>
+              <a:t>It used to include header files one time and prevent from </a:t>
+            </a:r>
+            <a:r>
+              <a:rPr lang="en-US" dirty="0" err="1" smtClean="0"/>
+              <a:t>redeclare</a:t>
+            </a:r>
+            <a:r>
+              <a:rPr lang="en-US" dirty="0" smtClean="0"/>
+              <a:t> and </a:t>
+            </a:r>
+            <a:r>
+              <a:rPr lang="en-US" dirty="0" err="1" smtClean="0"/>
+              <a:t>inludes</a:t>
+            </a:r>
+            <a:r>
+              <a:rPr lang="en-US" dirty="0" smtClean="0"/>
+              <a:t> often</a:t>
+            </a:r>
+          </a:p>
+          <a:p>
+            <a:endParaRPr lang="en-US" dirty="0"/>
+          </a:p>
+          <a:p>
+            <a:endParaRPr lang="en-US" dirty="0"/>
+          </a:p>
+        </p:txBody>
+      </p:sp>
+    </p:spTree>
+    <p:extLst>
+      <p:ext uri="{BB962C8B-B14F-4D97-AF65-F5344CB8AC3E}">
+        <p14:creationId xmlns:p14="http://schemas.microsoft.com/office/powerpoint/2010/main" val="1881759248"/>
+      </p:ext>
+    </p:extLst>
+  </p:cSld>
+  <p:clrMapOvr>
+    <a:masterClrMapping/>
+  </p:clrMapOvr>
+</p:sld>
+</file>
+
+<file path=ppt/slides/slide9.xml><?xml version="1.0" encoding="utf-8"?>
+<p:sld xmlns:a="http://schemas.openxmlformats.org/drawingml/2006/main" xmlns:r="http://schemas.openxmlformats.org/officeDocument/2006/relationships" xmlns:p="http://schemas.openxmlformats.org/presentationml/2006/main">
+  <p:cSld>
+    <p:spTree>
+      <p:nvGrpSpPr>
+        <p:cNvPr id="1" name=""/>
+        <p:cNvGrpSpPr/>
+        <p:nvPr/>
+      </p:nvGrpSpPr>
+      <p:grpSpPr>
+        <a:xfrm>
+          <a:off x="0" y="0"/>
+          <a:ext cx="0" cy="0"/>
+          <a:chOff x="0" y="0"/>
+          <a:chExt cx="0" cy="0"/>
+        </a:xfrm>
+      </p:grpSpPr>
+      <p:sp>
+        <p:nvSpPr>
+          <p:cNvPr id="2" name="Title 1"/>
+          <p:cNvSpPr>
+            <a:spLocks noGrp="1"/>
+          </p:cNvSpPr>
+          <p:nvPr>
+            <p:ph type="title"/>
+          </p:nvPr>
+        </p:nvSpPr>
+        <p:spPr/>
+        <p:txBody>
+          <a:bodyPr/>
+          <a:lstStyle/>
+          <a:p>
+            <a:r>
+              <a:rPr lang="en-US" dirty="0" smtClean="0"/>
+              <a:t>#error and #warning</a:t>
+            </a:r>
+            <a:endParaRPr lang="en-US" dirty="0"/>
+          </a:p>
+        </p:txBody>
+      </p:sp>
+      <p:sp>
+        <p:nvSpPr>
+          <p:cNvPr id="3" name="Content Placeholder 2"/>
+          <p:cNvSpPr>
+            <a:spLocks noGrp="1"/>
+          </p:cNvSpPr>
+          <p:nvPr>
+            <p:ph idx="1"/>
+          </p:nvPr>
+        </p:nvSpPr>
+        <p:spPr/>
+        <p:txBody>
+          <a:bodyPr/>
+          <a:lstStyle/>
+          <a:p>
+            <a:r>
+              <a:rPr lang="en-US" dirty="0" smtClean="0"/>
+              <a:t>#</a:t>
+            </a:r>
+            <a:r>
+              <a:rPr lang="en-US" dirty="0"/>
+              <a:t>error "</a:t>
+            </a:r>
+            <a:r>
+              <a:rPr lang="en-US" dirty="0" smtClean="0"/>
+              <a:t>error“</a:t>
+            </a:r>
+          </a:p>
+          <a:p>
+            <a:endParaRPr lang="en-US" dirty="0"/>
+          </a:p>
+          <a:p>
+            <a:r>
+              <a:rPr lang="en-US" dirty="0" smtClean="0"/>
+              <a:t>#</a:t>
+            </a:r>
+            <a:r>
+              <a:rPr lang="en-US" dirty="0"/>
+              <a:t>warning </a:t>
+            </a:r>
+            <a:r>
+              <a:rPr lang="en-US" dirty="0" smtClean="0"/>
+              <a:t>"warning “</a:t>
+            </a:r>
+          </a:p>
+          <a:p>
+            <a:endParaRPr lang="en-US" dirty="0"/>
+          </a:p>
+          <a:p>
+            <a:r>
+              <a:rPr lang="en-US" dirty="0" smtClean="0"/>
+              <a:t>These directives used to throw errors and </a:t>
+            </a:r>
+            <a:r>
+              <a:rPr lang="en-US" smtClean="0"/>
+              <a:t>warning manually</a:t>
+            </a:r>
+            <a:endParaRPr lang="en-US" dirty="0" smtClean="0"/>
+          </a:p>
+          <a:p>
+            <a:endParaRPr lang="en-US" dirty="0"/>
+          </a:p>
+          <a:p>
+            <a:endParaRPr lang="en-US" dirty="0"/>
+          </a:p>
+        </p:txBody>
+      </p:sp>
+    </p:spTree>
+    <p:extLst>
+      <p:ext uri="{BB962C8B-B14F-4D97-AF65-F5344CB8AC3E}">
+        <p14:creationId xmlns:p14="http://schemas.microsoft.com/office/powerpoint/2010/main" val="1704629793"/>
       </p:ext>
     </p:extLst>
   </p:cSld>
